--- a/Exeter MBA/1SLA23 - Leading High-Performance Organisations/Week 2 - Masterclass/Finance Session Material - Masterclass Day 2-20240117/NEW Masterclass Day 2  (3).pptx
+++ b/Exeter MBA/1SLA23 - Leading High-Performance Organisations/Week 2 - Masterclass/Finance Session Material - Masterclass Day 2-20240117/NEW Masterclass Day 2  (3).pptx
@@ -147,6 +147,35 @@
     </p:ext>
   </p:extLst>
 </p:presentation>
+</file>
+
+<file path=ppt/changesInfos/changesInfo1.xml><?xml version="1.0" encoding="utf-8"?>
+<pc:chgInfo xmlns:a="http://schemas.openxmlformats.org/drawingml/2006/main" xmlns:r="http://schemas.openxmlformats.org/officeDocument/2006/relationships" xmlns:ac="http://schemas.microsoft.com/office/drawing/2013/main/command" xmlns:pc="http://schemas.microsoft.com/office/powerpoint/2013/main/command">
+  <pc:docChgLst>
+    <pc:chgData name="Vincent King" userId="f96d9c2d90ad25d7" providerId="LiveId" clId="{5039F30F-7F36-4665-B4F5-817431DBE381}"/>
+    <pc:docChg chg="modSld">
+      <pc:chgData name="Vincent King" userId="f96d9c2d90ad25d7" providerId="LiveId" clId="{5039F30F-7F36-4665-B4F5-817431DBE381}" dt="2024-02-09T17:08:08.288" v="0" actId="1076"/>
+      <pc:docMkLst>
+        <pc:docMk/>
+      </pc:docMkLst>
+      <pc:sldChg chg="modSp mod">
+        <pc:chgData name="Vincent King" userId="f96d9c2d90ad25d7" providerId="LiveId" clId="{5039F30F-7F36-4665-B4F5-817431DBE381}" dt="2024-02-09T17:08:08.288" v="0" actId="1076"/>
+        <pc:sldMkLst>
+          <pc:docMk/>
+          <pc:sldMk cId="3276010893" sldId="320"/>
+        </pc:sldMkLst>
+        <pc:picChg chg="mod">
+          <ac:chgData name="Vincent King" userId="f96d9c2d90ad25d7" providerId="LiveId" clId="{5039F30F-7F36-4665-B4F5-817431DBE381}" dt="2024-02-09T17:08:08.288" v="0" actId="1076"/>
+          <ac:picMkLst>
+            <pc:docMk/>
+            <pc:sldMk cId="3276010893" sldId="320"/>
+            <ac:picMk id="2" creationId="{8357410C-3FAA-1502-1C06-4FB8B9AC6ECD}"/>
+          </ac:picMkLst>
+        </pc:picChg>
+      </pc:sldChg>
+    </pc:docChg>
+  </pc:docChgLst>
+</pc:chgInfo>
 </file>
 
 <file path=ppt/diagrams/colors1.xml><?xml version="1.0" encoding="utf-8"?>
@@ -6702,9 +6731,9 @@
   <dgm:cxnLst>
     <dgm:cxn modelId="{9B732C12-F7BA-49FA-B2D1-7321B7BBD944}" srcId="{7E17458D-E187-4B7F-B5C4-471BB767A1D5}" destId="{BD314398-9897-43FF-B757-4E9EC543D7D0}" srcOrd="1" destOrd="0" parTransId="{D11DADEB-9126-4375-BFC8-4C55ABA14E81}" sibTransId="{404CF31F-2EFB-4169-9122-4901C71110B9}"/>
     <dgm:cxn modelId="{CF412014-9897-004A-9FCA-BD0285FE685C}" type="presOf" srcId="{35C72858-6F3C-42AC-9F82-59B66E917C6B}" destId="{0D233B59-1EA1-764A-94AC-CD3D2C1FB6AD}" srcOrd="0" destOrd="0" presId="urn:microsoft.com/office/officeart/2005/8/layout/vList2"/>
-    <dgm:cxn modelId="{19F92057-9F49-6B45-83E9-E8D21371F470}" type="presOf" srcId="{BD314398-9897-43FF-B757-4E9EC543D7D0}" destId="{DD8B3745-C09E-7A47-8A66-5FF1C18397CF}" srcOrd="0" destOrd="0" presId="urn:microsoft.com/office/officeart/2005/8/layout/vList2"/>
     <dgm:cxn modelId="{170E4B5D-555E-F54D-943B-ED0EAF106C00}" type="presOf" srcId="{8E8ABCCF-C1AC-4C94-BC0A-7D26F62433CF}" destId="{0AE083F8-977C-124D-899B-1AB09E2E15BA}" srcOrd="0" destOrd="0" presId="urn:microsoft.com/office/officeart/2005/8/layout/vList2"/>
     <dgm:cxn modelId="{0A535962-173D-45CF-8376-5B6EE381F6CD}" srcId="{7E17458D-E187-4B7F-B5C4-471BB767A1D5}" destId="{78655658-8D5B-4BFB-A860-CF2BA393A1AC}" srcOrd="2" destOrd="0" parTransId="{ED0DE55D-C3E4-4BBF-A2CC-066B5619E433}" sibTransId="{905A724E-1BFD-4BCC-BF4E-E53C7731BE6B}"/>
+    <dgm:cxn modelId="{19F92057-9F49-6B45-83E9-E8D21371F470}" type="presOf" srcId="{BD314398-9897-43FF-B757-4E9EC543D7D0}" destId="{DD8B3745-C09E-7A47-8A66-5FF1C18397CF}" srcOrd="0" destOrd="0" presId="urn:microsoft.com/office/officeart/2005/8/layout/vList2"/>
     <dgm:cxn modelId="{C553F684-457E-43C2-B2A5-92783C60099C}" srcId="{7E17458D-E187-4B7F-B5C4-471BB767A1D5}" destId="{35C72858-6F3C-42AC-9F82-59B66E917C6B}" srcOrd="3" destOrd="0" parTransId="{72A00C77-88BA-493D-86A7-1531DB1E4448}" sibTransId="{65A8E2CF-879C-4843-8AAA-47EB7D37821B}"/>
     <dgm:cxn modelId="{7ECC2AA6-DD0D-1140-B85C-CD8C767D51B1}" type="presOf" srcId="{78655658-8D5B-4BFB-A860-CF2BA393A1AC}" destId="{D00E8D53-1A14-D148-A4B2-7D4E12251373}" srcOrd="0" destOrd="0" presId="urn:microsoft.com/office/officeart/2005/8/layout/vList2"/>
     <dgm:cxn modelId="{53840DD2-6A19-492D-B2A7-D877B588D66A}" srcId="{7E17458D-E187-4B7F-B5C4-471BB767A1D5}" destId="{8E8ABCCF-C1AC-4C94-BC0A-7D26F62433CF}" srcOrd="0" destOrd="0" parTransId="{C834018D-DB18-45B3-BD37-147943751AC2}" sibTransId="{A2D951D5-8AD3-4007-A56C-3915C4AFE632}"/>
@@ -7015,10 +7044,10 @@
   <dgm:cxnLst>
     <dgm:cxn modelId="{204B790D-778B-344C-9D40-3559604EEB1C}" type="presOf" srcId="{51E1B335-EDCA-471D-946A-D16A7BBFC722}" destId="{DA9F9AEE-8B0E-4F49-9491-3607F7B5F544}" srcOrd="0" destOrd="0" presId="urn:microsoft.com/office/officeart/2008/layout/LinedList"/>
     <dgm:cxn modelId="{269AEF1E-0F73-4F3D-A045-E04665E09552}" srcId="{FB2D4AC0-6474-4600-874E-DBA5EADD6313}" destId="{15675DE5-B18F-47BD-8BC9-E6B7838156C5}" srcOrd="1" destOrd="0" parTransId="{402D491D-3D4C-49B4-9D84-E937421E0372}" sibTransId="{15630233-31AF-4AE9-82CD-468A979ED178}"/>
-    <dgm:cxn modelId="{32E0B953-B938-6848-8134-B6915AE93078}" type="presOf" srcId="{FB2D4AC0-6474-4600-874E-DBA5EADD6313}" destId="{ED44D44D-34E1-084A-9A05-1566C4CF3455}" srcOrd="0" destOrd="0" presId="urn:microsoft.com/office/officeart/2008/layout/LinedList"/>
     <dgm:cxn modelId="{F039A45F-0991-40A5-8B9D-5DE3D89FD5B9}" srcId="{FB2D4AC0-6474-4600-874E-DBA5EADD6313}" destId="{F7938930-7E28-4588-8A6C-187B55788F2F}" srcOrd="0" destOrd="0" parTransId="{21DFA98C-BB2E-4911-8C05-0CCB8B2A2CAA}" sibTransId="{374B3E0B-B98C-43CB-B746-8E3710EEFB29}"/>
     <dgm:cxn modelId="{E7FC0868-0DDD-9A49-8FD8-1D2451A35959}" type="presOf" srcId="{4174A77F-230B-4F87-9A28-F78DCC0442D3}" destId="{8E8A6A00-89EC-BB4A-8E9F-945157AB26BF}" srcOrd="0" destOrd="0" presId="urn:microsoft.com/office/officeart/2008/layout/LinedList"/>
     <dgm:cxn modelId="{F0AEFD6F-BB4D-4FEB-B650-8BF65F225D5F}" srcId="{FB2D4AC0-6474-4600-874E-DBA5EADD6313}" destId="{4174A77F-230B-4F87-9A28-F78DCC0442D3}" srcOrd="4" destOrd="0" parTransId="{87FC5AEC-02DD-4D31-8C1A-204AA6BC2736}" sibTransId="{2D8DE4D5-9C79-471C-8AF8-8FB6ADB843A9}"/>
+    <dgm:cxn modelId="{32E0B953-B938-6848-8134-B6915AE93078}" type="presOf" srcId="{FB2D4AC0-6474-4600-874E-DBA5EADD6313}" destId="{ED44D44D-34E1-084A-9A05-1566C4CF3455}" srcOrd="0" destOrd="0" presId="urn:microsoft.com/office/officeart/2008/layout/LinedList"/>
     <dgm:cxn modelId="{9F39737A-630E-E843-9194-39E359755560}" type="presOf" srcId="{15675DE5-B18F-47BD-8BC9-E6B7838156C5}" destId="{FD9536C8-CDBD-3341-9251-1F81F3416FB1}" srcOrd="0" destOrd="0" presId="urn:microsoft.com/office/officeart/2008/layout/LinedList"/>
     <dgm:cxn modelId="{72BC0287-8043-3945-8A99-615EDCDF54F0}" type="presOf" srcId="{06C8DDB8-1203-4E95-BD58-2F8147D2FD8C}" destId="{A212F28A-A52E-264B-A8C4-02D882E2EBE7}" srcOrd="0" destOrd="0" presId="urn:microsoft.com/office/officeart/2008/layout/LinedList"/>
     <dgm:cxn modelId="{7BF62D93-4A5B-4020-92D3-818DD77B46A9}" srcId="{FB2D4AC0-6474-4600-874E-DBA5EADD6313}" destId="{51E1B335-EDCA-471D-946A-D16A7BBFC722}" srcOrd="2" destOrd="0" parTransId="{566285F2-300A-40D1-9C40-29C27C15A471}" sibTransId="{39B88B71-4BC4-4C6D-9BC5-185B891C75DA}"/>
@@ -17418,7 +17447,7 @@
           <a:p>
             <a:fld id="{6F9E10B9-5F8D-1E4A-91C1-05BF1D6D281E}" type="datetimeFigureOut">
               <a:rPr lang="en-US" smtClean="0"/>
-              <a:t>8/4/23</a:t>
+              <a:t>2/9/2024</a:t>
             </a:fld>
             <a:endParaRPr lang="en-US"/>
           </a:p>
@@ -18087,7 +18116,7 @@
           <a:p>
             <a:fld id="{98E72F31-F74A-F44E-8A42-ACC8F68C8885}" type="datetimeFigureOut">
               <a:rPr lang="en-US" smtClean="0"/>
-              <a:t>8/4/23</a:t>
+              <a:t>2/9/2024</a:t>
             </a:fld>
             <a:endParaRPr lang="en-US"/>
           </a:p>
@@ -18287,7 +18316,7 @@
           <a:p>
             <a:fld id="{98E72F31-F74A-F44E-8A42-ACC8F68C8885}" type="datetimeFigureOut">
               <a:rPr lang="en-US" smtClean="0"/>
-              <a:t>8/4/23</a:t>
+              <a:t>2/9/2024</a:t>
             </a:fld>
             <a:endParaRPr lang="en-US"/>
           </a:p>
@@ -18497,7 +18526,7 @@
           <a:p>
             <a:fld id="{98E72F31-F74A-F44E-8A42-ACC8F68C8885}" type="datetimeFigureOut">
               <a:rPr lang="en-US" smtClean="0"/>
-              <a:t>8/4/23</a:t>
+              <a:t>2/9/2024</a:t>
             </a:fld>
             <a:endParaRPr lang="en-US"/>
           </a:p>
@@ -18697,7 +18726,7 @@
           <a:p>
             <a:fld id="{98E72F31-F74A-F44E-8A42-ACC8F68C8885}" type="datetimeFigureOut">
               <a:rPr lang="en-US" smtClean="0"/>
-              <a:t>8/4/23</a:t>
+              <a:t>2/9/2024</a:t>
             </a:fld>
             <a:endParaRPr lang="en-US"/>
           </a:p>
@@ -18973,7 +19002,7 @@
           <a:p>
             <a:fld id="{98E72F31-F74A-F44E-8A42-ACC8F68C8885}" type="datetimeFigureOut">
               <a:rPr lang="en-US" smtClean="0"/>
-              <a:t>8/4/23</a:t>
+              <a:t>2/9/2024</a:t>
             </a:fld>
             <a:endParaRPr lang="en-US"/>
           </a:p>
@@ -19241,7 +19270,7 @@
           <a:p>
             <a:fld id="{98E72F31-F74A-F44E-8A42-ACC8F68C8885}" type="datetimeFigureOut">
               <a:rPr lang="en-US" smtClean="0"/>
-              <a:t>8/4/23</a:t>
+              <a:t>2/9/2024</a:t>
             </a:fld>
             <a:endParaRPr lang="en-US"/>
           </a:p>
@@ -19656,7 +19685,7 @@
           <a:p>
             <a:fld id="{98E72F31-F74A-F44E-8A42-ACC8F68C8885}" type="datetimeFigureOut">
               <a:rPr lang="en-US" smtClean="0"/>
-              <a:t>8/4/23</a:t>
+              <a:t>2/9/2024</a:t>
             </a:fld>
             <a:endParaRPr lang="en-US"/>
           </a:p>
@@ -19798,7 +19827,7 @@
           <a:p>
             <a:fld id="{98E72F31-F74A-F44E-8A42-ACC8F68C8885}" type="datetimeFigureOut">
               <a:rPr lang="en-US" smtClean="0"/>
-              <a:t>8/4/23</a:t>
+              <a:t>2/9/2024</a:t>
             </a:fld>
             <a:endParaRPr lang="en-US"/>
           </a:p>
@@ -19911,7 +19940,7 @@
           <a:p>
             <a:fld id="{98E72F31-F74A-F44E-8A42-ACC8F68C8885}" type="datetimeFigureOut">
               <a:rPr lang="en-US" smtClean="0"/>
-              <a:t>8/4/23</a:t>
+              <a:t>2/9/2024</a:t>
             </a:fld>
             <a:endParaRPr lang="en-US"/>
           </a:p>
@@ -20224,7 +20253,7 @@
           <a:p>
             <a:fld id="{98E72F31-F74A-F44E-8A42-ACC8F68C8885}" type="datetimeFigureOut">
               <a:rPr lang="en-US" smtClean="0"/>
-              <a:t>8/4/23</a:t>
+              <a:t>2/9/2024</a:t>
             </a:fld>
             <a:endParaRPr lang="en-US"/>
           </a:p>
@@ -20513,7 +20542,7 @@
           <a:p>
             <a:fld id="{98E72F31-F74A-F44E-8A42-ACC8F68C8885}" type="datetimeFigureOut">
               <a:rPr lang="en-US" smtClean="0"/>
-              <a:t>8/4/23</a:t>
+              <a:t>2/9/2024</a:t>
             </a:fld>
             <a:endParaRPr lang="en-US"/>
           </a:p>
@@ -20756,7 +20785,7 @@
           <a:p>
             <a:fld id="{98E72F31-F74A-F44E-8A42-ACC8F68C8885}" type="datetimeFigureOut">
               <a:rPr lang="en-US" smtClean="0"/>
-              <a:t>8/4/23</a:t>
+              <a:t>2/9/2024</a:t>
             </a:fld>
             <a:endParaRPr lang="en-US"/>
           </a:p>
@@ -28461,7 +28490,7 @@
         </p:blipFill>
         <p:spPr>
           <a:xfrm>
-            <a:off x="27296" y="1929161"/>
+            <a:off x="31021" y="1929161"/>
             <a:ext cx="12129957" cy="2263698"/>
           </a:xfrm>
           <a:prstGeom prst="rect">
